--- a/Final Project Usability Tests/Presentation.pptx
+++ b/Final Project Usability Tests/Presentation.pptx
@@ -223,6 +223,11 @@
       </a:defRPr>
     </a:lvl9pPr>
   </p:defaultTextStyle>
+  <p:extLst>
+    <p:ext uri="{EFAFB233-063F-42B5-8137-9DF3F51BA10A}">
+      <p15:sldGuideLst xmlns:p15="http://schemas.microsoft.com/office/powerpoint/2012/main"/>
+    </p:ext>
+  </p:extLst>
 </p:presentation>
 </file>
 
@@ -5740,7 +5745,6 @@
               <a:rPr lang="en-US" sz="1400" dirty="0"/>
               <a:t>grades.</a:t>
             </a:r>
-            <a:endParaRPr lang="en-US" sz="1400" dirty="0"/>
           </a:p>
         </p:txBody>
       </p:sp>
@@ -6223,41 +6227,36 @@
           </a:p>
         </p:txBody>
       </p:sp>
-      <p:sp>
-        <p:nvSpPr>
-          <p:cNvPr id="74" name="Shape 74"/>
-          <p:cNvSpPr txBox="1">
-            <a:spLocks noGrp="1"/>
-          </p:cNvSpPr>
-          <p:nvPr>
-            <p:ph type="body" idx="1"/>
-          </p:nvPr>
-        </p:nvSpPr>
-        <p:spPr>
-          <a:xfrm>
-            <a:off x="311700" y="1152475"/>
-            <a:ext cx="8520600" cy="3416400"/>
+      <p:pic>
+        <p:nvPicPr>
+          <p:cNvPr id="2" name="Picture 1"/>
+          <p:cNvPicPr>
+            <a:picLocks noChangeAspect="1"/>
+          </p:cNvPicPr>
+          <p:nvPr/>
+        </p:nvPicPr>
+        <p:blipFill>
+          <a:blip r:embed="rId3">
+            <a:extLst>
+              <a:ext uri="{28A0092B-C50C-407E-A947-70E740481C1C}">
+                <a14:useLocalDpi xmlns:a14="http://schemas.microsoft.com/office/drawing/2010/main" val="0"/>
+              </a:ext>
+            </a:extLst>
+          </a:blip>
+          <a:stretch>
+            <a:fillRect/>
+          </a:stretch>
+        </p:blipFill>
+        <p:spPr>
+          <a:xfrm>
+            <a:off x="1714100" y="1096350"/>
+            <a:ext cx="5733529" cy="3545232"/>
           </a:xfrm>
           <a:prstGeom prst="rect">
             <a:avLst/>
           </a:prstGeom>
         </p:spPr>
-        <p:txBody>
-          <a:bodyPr wrap="square" lIns="91425" tIns="91425" rIns="91425" bIns="91425" anchor="t" anchorCtr="0">
-            <a:noAutofit/>
-          </a:bodyPr>
-          <a:lstStyle/>
-          <a:p>
-            <a:pPr lvl="0" rtl="0">
-              <a:spcBef>
-                <a:spcPts val="0"/>
-              </a:spcBef>
-              <a:buNone/>
-            </a:pPr>
-            <a:endParaRPr lang="en" dirty="0"/>
-          </a:p>
-        </p:txBody>
-      </p:sp>
+      </p:pic>
     </p:spTree>
     <p:extLst>
       <p:ext uri="{BB962C8B-B14F-4D97-AF65-F5344CB8AC3E}">

--- a/Final Project Usability Tests/Presentation.pptx
+++ b/Final Project Usability Tests/Presentation.pptx
@@ -6249,14 +6249,42 @@
         </p:blipFill>
         <p:spPr>
           <a:xfrm>
-            <a:off x="1714100" y="1096350"/>
-            <a:ext cx="5733529" cy="3545232"/>
+            <a:off x="2039464" y="1217097"/>
+            <a:ext cx="4840479" cy="2768638"/>
           </a:xfrm>
           <a:prstGeom prst="rect">
             <a:avLst/>
           </a:prstGeom>
         </p:spPr>
       </p:pic>
+      <p:sp>
+        <p:nvSpPr>
+          <p:cNvPr id="3" name="Rectangle 2"/>
+          <p:cNvSpPr/>
+          <p:nvPr/>
+        </p:nvSpPr>
+        <p:spPr>
+          <a:xfrm>
+            <a:off x="1863484" y="4050653"/>
+            <a:ext cx="4572000" cy="523220"/>
+          </a:xfrm>
+          <a:prstGeom prst="rect">
+            <a:avLst/>
+          </a:prstGeom>
+        </p:spPr>
+        <p:txBody>
+          <a:bodyPr>
+            <a:spAutoFit/>
+          </a:bodyPr>
+          <a:lstStyle/>
+          <a:p>
+            <a:r>
+              <a:rPr lang="en-US" dirty="0"/>
+              <a:t>Our SUS score is 79.5(B-). Therefore it is above a 68 considered average.</a:t>
+            </a:r>
+          </a:p>
+        </p:txBody>
+      </p:sp>
     </p:spTree>
     <p:extLst>
       <p:ext uri="{BB962C8B-B14F-4D97-AF65-F5344CB8AC3E}">
